--- a/Vezeték, vezeték nélküli átviteli közegek.pptx
+++ b/Vezeték, vezeték nélküli átviteli közegek.pptx
@@ -18,6 +18,16 @@
     <p:sldId id="266" r:id="rId12"/>
     <p:sldId id="267" r:id="rId13"/>
     <p:sldId id="268" r:id="rId14"/>
+    <p:sldId id="269" r:id="rId15"/>
+    <p:sldId id="270" r:id="rId16"/>
+    <p:sldId id="271" r:id="rId17"/>
+    <p:sldId id="272" r:id="rId18"/>
+    <p:sldId id="273" r:id="rId19"/>
+    <p:sldId id="274" r:id="rId20"/>
+    <p:sldId id="275" r:id="rId21"/>
+    <p:sldId id="276" r:id="rId22"/>
+    <p:sldId id="277" r:id="rId23"/>
+    <p:sldId id="278" r:id="rId24"/>
   </p:sldIdLst>
   <p:sldSz cx="12192000" cy="6858000"/>
   <p:notesSz cx="6858000" cy="9144000"/>
@@ -116,6 +126,11 @@
       </a:defRPr>
     </a:lvl9pPr>
   </p:defaultTextStyle>
+  <p:extLst>
+    <p:ext uri="{EFAFB233-063F-42B5-8137-9DF3F51BA10A}">
+      <p15:sldGuideLst xmlns:p15="http://schemas.microsoft.com/office/powerpoint/2012/main"/>
+    </p:ext>
+  </p:extLst>
 </p:presentation>
 </file>
 
@@ -250,7 +265,7 @@
           <a:p>
             <a:fld id="{7AAF89E1-3204-422D-9E02-AD88A8F66CBA}" type="datetimeFigureOut">
               <a:rPr lang="hu-HU" smtClean="0"/>
-              <a:t>2023.09.25.</a:t>
+              <a:t>2023.09.28.</a:t>
             </a:fld>
             <a:endParaRPr lang="hu-HU"/>
           </a:p>
@@ -420,7 +435,7 @@
           <a:p>
             <a:fld id="{7AAF89E1-3204-422D-9E02-AD88A8F66CBA}" type="datetimeFigureOut">
               <a:rPr lang="hu-HU" smtClean="0"/>
-              <a:t>2023.09.25.</a:t>
+              <a:t>2023.09.28.</a:t>
             </a:fld>
             <a:endParaRPr lang="hu-HU"/>
           </a:p>
@@ -600,7 +615,7 @@
           <a:p>
             <a:fld id="{7AAF89E1-3204-422D-9E02-AD88A8F66CBA}" type="datetimeFigureOut">
               <a:rPr lang="hu-HU" smtClean="0"/>
-              <a:t>2023.09.25.</a:t>
+              <a:t>2023.09.28.</a:t>
             </a:fld>
             <a:endParaRPr lang="hu-HU"/>
           </a:p>
@@ -770,7 +785,7 @@
           <a:p>
             <a:fld id="{7AAF89E1-3204-422D-9E02-AD88A8F66CBA}" type="datetimeFigureOut">
               <a:rPr lang="hu-HU" smtClean="0"/>
-              <a:t>2023.09.25.</a:t>
+              <a:t>2023.09.28.</a:t>
             </a:fld>
             <a:endParaRPr lang="hu-HU"/>
           </a:p>
@@ -1016,7 +1031,7 @@
           <a:p>
             <a:fld id="{7AAF89E1-3204-422D-9E02-AD88A8F66CBA}" type="datetimeFigureOut">
               <a:rPr lang="hu-HU" smtClean="0"/>
-              <a:t>2023.09.25.</a:t>
+              <a:t>2023.09.28.</a:t>
             </a:fld>
             <a:endParaRPr lang="hu-HU"/>
           </a:p>
@@ -1248,7 +1263,7 @@
           <a:p>
             <a:fld id="{7AAF89E1-3204-422D-9E02-AD88A8F66CBA}" type="datetimeFigureOut">
               <a:rPr lang="hu-HU" smtClean="0"/>
-              <a:t>2023.09.25.</a:t>
+              <a:t>2023.09.28.</a:t>
             </a:fld>
             <a:endParaRPr lang="hu-HU"/>
           </a:p>
@@ -1615,7 +1630,7 @@
           <a:p>
             <a:fld id="{7AAF89E1-3204-422D-9E02-AD88A8F66CBA}" type="datetimeFigureOut">
               <a:rPr lang="hu-HU" smtClean="0"/>
-              <a:t>2023.09.25.</a:t>
+              <a:t>2023.09.28.</a:t>
             </a:fld>
             <a:endParaRPr lang="hu-HU"/>
           </a:p>
@@ -1733,7 +1748,7 @@
           <a:p>
             <a:fld id="{7AAF89E1-3204-422D-9E02-AD88A8F66CBA}" type="datetimeFigureOut">
               <a:rPr lang="hu-HU" smtClean="0"/>
-              <a:t>2023.09.25.</a:t>
+              <a:t>2023.09.28.</a:t>
             </a:fld>
             <a:endParaRPr lang="hu-HU"/>
           </a:p>
@@ -1828,7 +1843,7 @@
           <a:p>
             <a:fld id="{7AAF89E1-3204-422D-9E02-AD88A8F66CBA}" type="datetimeFigureOut">
               <a:rPr lang="hu-HU" smtClean="0"/>
-              <a:t>2023.09.25.</a:t>
+              <a:t>2023.09.28.</a:t>
             </a:fld>
             <a:endParaRPr lang="hu-HU"/>
           </a:p>
@@ -2105,7 +2120,7 @@
           <a:p>
             <a:fld id="{7AAF89E1-3204-422D-9E02-AD88A8F66CBA}" type="datetimeFigureOut">
               <a:rPr lang="hu-HU" smtClean="0"/>
-              <a:t>2023.09.25.</a:t>
+              <a:t>2023.09.28.</a:t>
             </a:fld>
             <a:endParaRPr lang="hu-HU"/>
           </a:p>
@@ -2358,7 +2373,7 @@
           <a:p>
             <a:fld id="{7AAF89E1-3204-422D-9E02-AD88A8F66CBA}" type="datetimeFigureOut">
               <a:rPr lang="hu-HU" smtClean="0"/>
-              <a:t>2023.09.25.</a:t>
+              <a:t>2023.09.28.</a:t>
             </a:fld>
             <a:endParaRPr lang="hu-HU"/>
           </a:p>
@@ -2571,7 +2586,7 @@
           <a:p>
             <a:fld id="{7AAF89E1-3204-422D-9E02-AD88A8F66CBA}" type="datetimeFigureOut">
               <a:rPr lang="hu-HU" smtClean="0"/>
-              <a:t>2023.09.25.</a:t>
+              <a:t>2023.09.28.</a:t>
             </a:fld>
             <a:endParaRPr lang="hu-HU"/>
           </a:p>
@@ -3437,6 +3452,675 @@
 </p:sld>
 </file>
 
+<file path=ppt/slides/slide14.xml><?xml version="1.0" encoding="utf-8"?>
+<p:sld xmlns:a="http://schemas.openxmlformats.org/drawingml/2006/main" xmlns:r="http://schemas.openxmlformats.org/officeDocument/2006/relationships" xmlns:p="http://schemas.openxmlformats.org/presentationml/2006/main">
+  <p:cSld>
+    <p:spTree>
+      <p:nvGrpSpPr>
+        <p:cNvPr id="1" name=""/>
+        <p:cNvGrpSpPr/>
+        <p:nvPr/>
+      </p:nvGrpSpPr>
+      <p:grpSpPr>
+        <a:xfrm>
+          <a:off x="0" y="0"/>
+          <a:ext cx="0" cy="0"/>
+          <a:chOff x="0" y="0"/>
+          <a:chExt cx="0" cy="0"/>
+        </a:xfrm>
+      </p:grpSpPr>
+      <p:sp>
+        <p:nvSpPr>
+          <p:cNvPr id="2" name="Cím 1"/>
+          <p:cNvSpPr>
+            <a:spLocks noGrp="1"/>
+          </p:cNvSpPr>
+          <p:nvPr>
+            <p:ph type="title"/>
+          </p:nvPr>
+        </p:nvSpPr>
+        <p:spPr/>
+        <p:txBody>
+          <a:bodyPr/>
+          <a:lstStyle/>
+          <a:p>
+            <a:r>
+              <a:rPr lang="hu-HU" dirty="0"/>
+              <a:t>Vezeték nélküli átviteli közegek</a:t>
+            </a:r>
+          </a:p>
+        </p:txBody>
+      </p:sp>
+      <p:sp>
+        <p:nvSpPr>
+          <p:cNvPr id="3" name="Tartalom helye 2"/>
+          <p:cNvSpPr>
+            <a:spLocks noGrp="1"/>
+          </p:cNvSpPr>
+          <p:nvPr>
+            <p:ph idx="1"/>
+          </p:nvPr>
+        </p:nvSpPr>
+        <p:spPr/>
+        <p:txBody>
+          <a:bodyPr/>
+          <a:lstStyle/>
+          <a:p>
+            <a:r>
+              <a:rPr lang="hu-HU" b="1" dirty="0" smtClean="0"/>
+              <a:t>Átviteli sebességek</a:t>
+            </a:r>
+          </a:p>
+          <a:p>
+            <a:r>
+              <a:rPr lang="hu-HU" dirty="0" err="1" smtClean="0"/>
+              <a:t>Wi</a:t>
+            </a:r>
+            <a:r>
+              <a:rPr lang="hu-HU" dirty="0" smtClean="0"/>
+              <a:t>-Fi: IEEE 802.11 szabványoktól függenek</a:t>
+            </a:r>
+          </a:p>
+          <a:p>
+            <a:r>
+              <a:rPr lang="hu-HU" dirty="0" smtClean="0"/>
+              <a:t>Legelterjedtebb a </a:t>
+            </a:r>
+            <a:r>
+              <a:rPr lang="hu-HU" dirty="0" err="1" smtClean="0"/>
+              <a:t>Wi</a:t>
+            </a:r>
+            <a:r>
+              <a:rPr lang="hu-HU" dirty="0" smtClean="0"/>
+              <a:t>-Fi </a:t>
+            </a:r>
+            <a:r>
+              <a:rPr lang="hu-HU" dirty="0" smtClean="0"/>
+              <a:t>4, </a:t>
+            </a:r>
+            <a:r>
+              <a:rPr lang="hu-HU" dirty="0" err="1" smtClean="0"/>
+              <a:t>Wi</a:t>
+            </a:r>
+            <a:r>
+              <a:rPr lang="hu-HU" dirty="0" smtClean="0"/>
+              <a:t>-Fi 5, </a:t>
+            </a:r>
+            <a:r>
+              <a:rPr lang="hu-HU" dirty="0" err="1" smtClean="0"/>
+              <a:t>Wi</a:t>
+            </a:r>
+            <a:r>
+              <a:rPr lang="hu-HU" dirty="0" smtClean="0"/>
+              <a:t>-Fi 6</a:t>
+            </a:r>
+          </a:p>
+          <a:p>
+            <a:endParaRPr lang="hu-HU" dirty="0"/>
+          </a:p>
+        </p:txBody>
+      </p:sp>
+    </p:spTree>
+    <p:extLst>
+      <p:ext uri="{BB962C8B-B14F-4D97-AF65-F5344CB8AC3E}">
+        <p14:creationId xmlns:p14="http://schemas.microsoft.com/office/powerpoint/2010/main" val="257065870"/>
+      </p:ext>
+    </p:extLst>
+  </p:cSld>
+  <p:clrMapOvr>
+    <a:masterClrMapping/>
+  </p:clrMapOvr>
+</p:sld>
+</file>
+
+<file path=ppt/slides/slide15.xml><?xml version="1.0" encoding="utf-8"?>
+<p:sld xmlns:a="http://schemas.openxmlformats.org/drawingml/2006/main" xmlns:r="http://schemas.openxmlformats.org/officeDocument/2006/relationships" xmlns:p="http://schemas.openxmlformats.org/presentationml/2006/main">
+  <p:cSld>
+    <p:spTree>
+      <p:nvGrpSpPr>
+        <p:cNvPr id="1" name=""/>
+        <p:cNvGrpSpPr/>
+        <p:nvPr/>
+      </p:nvGrpSpPr>
+      <p:grpSpPr>
+        <a:xfrm>
+          <a:off x="0" y="0"/>
+          <a:ext cx="0" cy="0"/>
+          <a:chOff x="0" y="0"/>
+          <a:chExt cx="0" cy="0"/>
+        </a:xfrm>
+      </p:grpSpPr>
+      <p:sp>
+        <p:nvSpPr>
+          <p:cNvPr id="2" name="Cím 1"/>
+          <p:cNvSpPr>
+            <a:spLocks noGrp="1"/>
+          </p:cNvSpPr>
+          <p:nvPr>
+            <p:ph type="title"/>
+          </p:nvPr>
+        </p:nvSpPr>
+        <p:spPr/>
+        <p:txBody>
+          <a:bodyPr/>
+          <a:lstStyle/>
+          <a:p>
+            <a:r>
+              <a:rPr lang="hu-HU" dirty="0"/>
+              <a:t>Vezeték nélküli átviteli közegek</a:t>
+            </a:r>
+          </a:p>
+        </p:txBody>
+      </p:sp>
+      <p:sp>
+        <p:nvSpPr>
+          <p:cNvPr id="3" name="Tartalom helye 2"/>
+          <p:cNvSpPr>
+            <a:spLocks noGrp="1"/>
+          </p:cNvSpPr>
+          <p:nvPr>
+            <p:ph idx="1"/>
+          </p:nvPr>
+        </p:nvSpPr>
+        <p:spPr/>
+        <p:txBody>
+          <a:bodyPr/>
+          <a:lstStyle/>
+          <a:p>
+            <a:r>
+              <a:rPr lang="hu-HU" b="1" dirty="0" smtClean="0"/>
+              <a:t>Átviteli sebességek</a:t>
+            </a:r>
+          </a:p>
+          <a:p>
+            <a:r>
+              <a:rPr lang="hu-HU" dirty="0" smtClean="0"/>
+              <a:t>Sebességeik:</a:t>
+            </a:r>
+          </a:p>
+          <a:p>
+            <a:r>
+              <a:rPr lang="hu-HU" dirty="0" err="1" smtClean="0"/>
+              <a:t>Wi</a:t>
+            </a:r>
+            <a:r>
+              <a:rPr lang="hu-HU" dirty="0" smtClean="0"/>
+              <a:t>-Fi 4: Akár 600 </a:t>
+            </a:r>
+            <a:r>
+              <a:rPr lang="hu-HU" dirty="0" err="1" smtClean="0"/>
+              <a:t>Mbps</a:t>
+            </a:r>
+            <a:endParaRPr lang="hu-HU" dirty="0" smtClean="0"/>
+          </a:p>
+          <a:p>
+            <a:r>
+              <a:rPr lang="hu-HU" dirty="0" err="1" smtClean="0"/>
+              <a:t>Wi</a:t>
+            </a:r>
+            <a:r>
+              <a:rPr lang="hu-HU" dirty="0" smtClean="0"/>
+              <a:t>-Fi 5: Akár 3,5 </a:t>
+            </a:r>
+            <a:r>
+              <a:rPr lang="hu-HU" dirty="0" err="1" smtClean="0"/>
+              <a:t>Gbps</a:t>
+            </a:r>
+            <a:endParaRPr lang="hu-HU" dirty="0" smtClean="0"/>
+          </a:p>
+          <a:p>
+            <a:r>
+              <a:rPr lang="hu-HU" dirty="0" err="1" smtClean="0"/>
+              <a:t>Wi</a:t>
+            </a:r>
+            <a:r>
+              <a:rPr lang="hu-HU" dirty="0" smtClean="0"/>
+              <a:t>-Fi 6: Akár 9,6 </a:t>
+            </a:r>
+            <a:r>
+              <a:rPr lang="hu-HU" dirty="0" err="1" smtClean="0"/>
+              <a:t>Gbps</a:t>
+            </a:r>
+            <a:endParaRPr lang="hu-HU" dirty="0"/>
+          </a:p>
+        </p:txBody>
+      </p:sp>
+    </p:spTree>
+    <p:extLst>
+      <p:ext uri="{BB962C8B-B14F-4D97-AF65-F5344CB8AC3E}">
+        <p14:creationId xmlns:p14="http://schemas.microsoft.com/office/powerpoint/2010/main" val="3812106911"/>
+      </p:ext>
+    </p:extLst>
+  </p:cSld>
+  <p:clrMapOvr>
+    <a:masterClrMapping/>
+  </p:clrMapOvr>
+</p:sld>
+</file>
+
+<file path=ppt/slides/slide16.xml><?xml version="1.0" encoding="utf-8"?>
+<p:sld xmlns:a="http://schemas.openxmlformats.org/drawingml/2006/main" xmlns:r="http://schemas.openxmlformats.org/officeDocument/2006/relationships" xmlns:p="http://schemas.openxmlformats.org/presentationml/2006/main">
+  <p:cSld>
+    <p:spTree>
+      <p:nvGrpSpPr>
+        <p:cNvPr id="1" name=""/>
+        <p:cNvGrpSpPr/>
+        <p:nvPr/>
+      </p:nvGrpSpPr>
+      <p:grpSpPr>
+        <a:xfrm>
+          <a:off x="0" y="0"/>
+          <a:ext cx="0" cy="0"/>
+          <a:chOff x="0" y="0"/>
+          <a:chExt cx="0" cy="0"/>
+        </a:xfrm>
+      </p:grpSpPr>
+      <p:sp>
+        <p:nvSpPr>
+          <p:cNvPr id="2" name="Cím 1"/>
+          <p:cNvSpPr>
+            <a:spLocks noGrp="1"/>
+          </p:cNvSpPr>
+          <p:nvPr>
+            <p:ph type="title"/>
+          </p:nvPr>
+        </p:nvSpPr>
+        <p:spPr/>
+        <p:txBody>
+          <a:bodyPr/>
+          <a:lstStyle/>
+          <a:p>
+            <a:r>
+              <a:rPr lang="hu-HU" dirty="0"/>
+              <a:t>Vezeték nélküli átviteli közegek</a:t>
+            </a:r>
+          </a:p>
+        </p:txBody>
+      </p:sp>
+      <p:sp>
+        <p:nvSpPr>
+          <p:cNvPr id="3" name="Tartalom helye 2"/>
+          <p:cNvSpPr>
+            <a:spLocks noGrp="1"/>
+          </p:cNvSpPr>
+          <p:nvPr>
+            <p:ph idx="1"/>
+          </p:nvPr>
+        </p:nvSpPr>
+        <p:spPr/>
+        <p:txBody>
+          <a:bodyPr/>
+          <a:lstStyle/>
+          <a:p>
+            <a:r>
+              <a:rPr lang="hu-HU" b="1" dirty="0" smtClean="0"/>
+              <a:t>NFC (</a:t>
+            </a:r>
+            <a:r>
+              <a:rPr lang="hu-HU" b="1" dirty="0" err="1" smtClean="0"/>
+              <a:t>Near</a:t>
+            </a:r>
+            <a:r>
+              <a:rPr lang="hu-HU" b="1" dirty="0" smtClean="0"/>
+              <a:t> </a:t>
+            </a:r>
+            <a:r>
+              <a:rPr lang="hu-HU" b="1" dirty="0" err="1" smtClean="0"/>
+              <a:t>Field</a:t>
+            </a:r>
+            <a:r>
+              <a:rPr lang="hu-HU" b="1" dirty="0" smtClean="0"/>
+              <a:t> </a:t>
+            </a:r>
+            <a:r>
+              <a:rPr lang="hu-HU" b="1" dirty="0" err="1" smtClean="0"/>
+              <a:t>Communication</a:t>
+            </a:r>
+            <a:r>
+              <a:rPr lang="hu-HU" b="1" dirty="0" smtClean="0"/>
+              <a:t>)</a:t>
+            </a:r>
+          </a:p>
+          <a:p>
+            <a:r>
+              <a:rPr lang="hu-HU" dirty="0" smtClean="0"/>
+              <a:t>Lehetővé teszi két eszköz adatcseréjét</a:t>
+            </a:r>
+          </a:p>
+          <a:p>
+            <a:r>
+              <a:rPr lang="hu-HU" dirty="0" smtClean="0"/>
+              <a:t>Számos alkalmazáshoz használható</a:t>
+            </a:r>
+          </a:p>
+          <a:p>
+            <a:endParaRPr lang="hu-HU" dirty="0"/>
+          </a:p>
+        </p:txBody>
+      </p:sp>
+    </p:spTree>
+    <p:extLst>
+      <p:ext uri="{BB962C8B-B14F-4D97-AF65-F5344CB8AC3E}">
+        <p14:creationId xmlns:p14="http://schemas.microsoft.com/office/powerpoint/2010/main" val="3697175114"/>
+      </p:ext>
+    </p:extLst>
+  </p:cSld>
+  <p:clrMapOvr>
+    <a:masterClrMapping/>
+  </p:clrMapOvr>
+</p:sld>
+</file>
+
+<file path=ppt/slides/slide17.xml><?xml version="1.0" encoding="utf-8"?>
+<p:sld xmlns:a="http://schemas.openxmlformats.org/drawingml/2006/main" xmlns:r="http://schemas.openxmlformats.org/officeDocument/2006/relationships" xmlns:p="http://schemas.openxmlformats.org/presentationml/2006/main">
+  <p:cSld>
+    <p:spTree>
+      <p:nvGrpSpPr>
+        <p:cNvPr id="1" name=""/>
+        <p:cNvGrpSpPr/>
+        <p:nvPr/>
+      </p:nvGrpSpPr>
+      <p:grpSpPr>
+        <a:xfrm>
+          <a:off x="0" y="0"/>
+          <a:ext cx="0" cy="0"/>
+          <a:chOff x="0" y="0"/>
+          <a:chExt cx="0" cy="0"/>
+        </a:xfrm>
+      </p:grpSpPr>
+      <p:sp>
+        <p:nvSpPr>
+          <p:cNvPr id="2" name="Cím 1"/>
+          <p:cNvSpPr>
+            <a:spLocks noGrp="1"/>
+          </p:cNvSpPr>
+          <p:nvPr>
+            <p:ph type="title"/>
+          </p:nvPr>
+        </p:nvSpPr>
+        <p:spPr/>
+        <p:txBody>
+          <a:bodyPr/>
+          <a:lstStyle/>
+          <a:p>
+            <a:r>
+              <a:rPr lang="hu-HU" dirty="0"/>
+              <a:t>Vezeték nélküli átviteli közegek</a:t>
+            </a:r>
+          </a:p>
+        </p:txBody>
+      </p:sp>
+      <p:sp>
+        <p:nvSpPr>
+          <p:cNvPr id="3" name="Tartalom helye 2"/>
+          <p:cNvSpPr>
+            <a:spLocks noGrp="1"/>
+          </p:cNvSpPr>
+          <p:nvPr>
+            <p:ph idx="1"/>
+          </p:nvPr>
+        </p:nvSpPr>
+        <p:spPr/>
+        <p:txBody>
+          <a:bodyPr/>
+          <a:lstStyle/>
+          <a:p>
+            <a:pPr algn="ctr"/>
+            <a:r>
+              <a:rPr lang="hu-HU" b="1" dirty="0" smtClean="0"/>
+              <a:t>NFC</a:t>
+            </a:r>
+          </a:p>
+          <a:p>
+            <a:r>
+              <a:rPr lang="hu-HU" b="1" dirty="0" smtClean="0"/>
+              <a:t>Mire használhatjuk?</a:t>
+            </a:r>
+          </a:p>
+          <a:p>
+            <a:r>
+              <a:rPr lang="hu-HU" dirty="0" smtClean="0"/>
+              <a:t>Fizetés bonyolítás</a:t>
+            </a:r>
+          </a:p>
+          <a:p>
+            <a:r>
+              <a:rPr lang="hu-HU" dirty="0" smtClean="0"/>
+              <a:t>Névjegykártya váltás</a:t>
+            </a:r>
+          </a:p>
+          <a:p>
+            <a:r>
+              <a:rPr lang="hu-HU" dirty="0" err="1" smtClean="0"/>
+              <a:t>Wi</a:t>
+            </a:r>
+            <a:r>
+              <a:rPr lang="hu-HU" dirty="0" smtClean="0"/>
+              <a:t>-Fi hálózathoz csatlakozás</a:t>
+            </a:r>
+          </a:p>
+          <a:p>
+            <a:r>
+              <a:rPr lang="hu-HU" dirty="0" smtClean="0"/>
+              <a:t>Bérletek, jegyek beolvasása</a:t>
+            </a:r>
+          </a:p>
+          <a:p>
+            <a:endParaRPr lang="hu-HU" b="1" dirty="0"/>
+          </a:p>
+        </p:txBody>
+      </p:sp>
+    </p:spTree>
+    <p:extLst>
+      <p:ext uri="{BB962C8B-B14F-4D97-AF65-F5344CB8AC3E}">
+        <p14:creationId xmlns:p14="http://schemas.microsoft.com/office/powerpoint/2010/main" val="841986802"/>
+      </p:ext>
+    </p:extLst>
+  </p:cSld>
+  <p:clrMapOvr>
+    <a:masterClrMapping/>
+  </p:clrMapOvr>
+</p:sld>
+</file>
+
+<file path=ppt/slides/slide18.xml><?xml version="1.0" encoding="utf-8"?>
+<p:sld xmlns:a="http://schemas.openxmlformats.org/drawingml/2006/main" xmlns:r="http://schemas.openxmlformats.org/officeDocument/2006/relationships" xmlns:p="http://schemas.openxmlformats.org/presentationml/2006/main">
+  <p:cSld>
+    <p:spTree>
+      <p:nvGrpSpPr>
+        <p:cNvPr id="1" name=""/>
+        <p:cNvGrpSpPr/>
+        <p:nvPr/>
+      </p:nvGrpSpPr>
+      <p:grpSpPr>
+        <a:xfrm>
+          <a:off x="0" y="0"/>
+          <a:ext cx="0" cy="0"/>
+          <a:chOff x="0" y="0"/>
+          <a:chExt cx="0" cy="0"/>
+        </a:xfrm>
+      </p:grpSpPr>
+      <p:sp>
+        <p:nvSpPr>
+          <p:cNvPr id="2" name="Cím 1"/>
+          <p:cNvSpPr>
+            <a:spLocks noGrp="1"/>
+          </p:cNvSpPr>
+          <p:nvPr>
+            <p:ph type="title"/>
+          </p:nvPr>
+        </p:nvSpPr>
+        <p:spPr/>
+        <p:txBody>
+          <a:bodyPr/>
+          <a:lstStyle/>
+          <a:p>
+            <a:r>
+              <a:rPr lang="hu-HU" dirty="0"/>
+              <a:t>Vezeték nélküli átviteli közegek</a:t>
+            </a:r>
+          </a:p>
+        </p:txBody>
+      </p:sp>
+      <p:sp>
+        <p:nvSpPr>
+          <p:cNvPr id="3" name="Tartalom helye 2"/>
+          <p:cNvSpPr>
+            <a:spLocks noGrp="1"/>
+          </p:cNvSpPr>
+          <p:nvPr>
+            <p:ph idx="1"/>
+          </p:nvPr>
+        </p:nvSpPr>
+        <p:spPr/>
+        <p:txBody>
+          <a:bodyPr/>
+          <a:lstStyle/>
+          <a:p>
+            <a:r>
+              <a:rPr lang="hu-HU" b="1" dirty="0" smtClean="0"/>
+              <a:t>Hogyan működik?</a:t>
+            </a:r>
+          </a:p>
+          <a:p>
+            <a:r>
+              <a:rPr lang="hu-HU" dirty="0" smtClean="0"/>
+              <a:t>Elektromágneses mező</a:t>
+            </a:r>
+          </a:p>
+          <a:p>
+            <a:r>
+              <a:rPr lang="hu-HU" dirty="0" smtClean="0"/>
+              <a:t>13,56 MHz-es frekvencia</a:t>
+            </a:r>
+          </a:p>
+          <a:p>
+            <a:r>
+              <a:rPr lang="hu-HU" dirty="0" smtClean="0"/>
+              <a:t>NFC Chip</a:t>
+            </a:r>
+            <a:endParaRPr lang="hu-HU" dirty="0"/>
+          </a:p>
+        </p:txBody>
+      </p:sp>
+    </p:spTree>
+    <p:extLst>
+      <p:ext uri="{BB962C8B-B14F-4D97-AF65-F5344CB8AC3E}">
+        <p14:creationId xmlns:p14="http://schemas.microsoft.com/office/powerpoint/2010/main" val="1351928641"/>
+      </p:ext>
+    </p:extLst>
+  </p:cSld>
+  <p:clrMapOvr>
+    <a:masterClrMapping/>
+  </p:clrMapOvr>
+</p:sld>
+</file>
+
+<file path=ppt/slides/slide19.xml><?xml version="1.0" encoding="utf-8"?>
+<p:sld xmlns:a="http://schemas.openxmlformats.org/drawingml/2006/main" xmlns:r="http://schemas.openxmlformats.org/officeDocument/2006/relationships" xmlns:p="http://schemas.openxmlformats.org/presentationml/2006/main">
+  <p:cSld>
+    <p:spTree>
+      <p:nvGrpSpPr>
+        <p:cNvPr id="1" name=""/>
+        <p:cNvGrpSpPr/>
+        <p:nvPr/>
+      </p:nvGrpSpPr>
+      <p:grpSpPr>
+        <a:xfrm>
+          <a:off x="0" y="0"/>
+          <a:ext cx="0" cy="0"/>
+          <a:chOff x="0" y="0"/>
+          <a:chExt cx="0" cy="0"/>
+        </a:xfrm>
+      </p:grpSpPr>
+      <p:sp>
+        <p:nvSpPr>
+          <p:cNvPr id="2" name="Cím 1"/>
+          <p:cNvSpPr>
+            <a:spLocks noGrp="1"/>
+          </p:cNvSpPr>
+          <p:nvPr>
+            <p:ph type="title"/>
+          </p:nvPr>
+        </p:nvSpPr>
+        <p:spPr/>
+        <p:txBody>
+          <a:bodyPr/>
+          <a:lstStyle/>
+          <a:p>
+            <a:r>
+              <a:rPr lang="hu-HU" dirty="0"/>
+              <a:t>Vezeték nélküli átviteli közegek</a:t>
+            </a:r>
+          </a:p>
+        </p:txBody>
+      </p:sp>
+      <p:sp>
+        <p:nvSpPr>
+          <p:cNvPr id="3" name="Tartalom helye 2"/>
+          <p:cNvSpPr>
+            <a:spLocks noGrp="1"/>
+          </p:cNvSpPr>
+          <p:nvPr>
+            <p:ph idx="1"/>
+          </p:nvPr>
+        </p:nvSpPr>
+        <p:spPr/>
+        <p:txBody>
+          <a:bodyPr/>
+          <a:lstStyle/>
+          <a:p>
+            <a:r>
+              <a:rPr lang="hu-HU" b="1" dirty="0" smtClean="0"/>
+              <a:t>Hol találhatjuk meg:</a:t>
+            </a:r>
+          </a:p>
+          <a:p>
+            <a:r>
+              <a:rPr lang="hu-HU" dirty="0" smtClean="0"/>
+              <a:t>Tömegközlekedési bérleteken</a:t>
+            </a:r>
+          </a:p>
+          <a:p>
+            <a:r>
+              <a:rPr lang="hu-HU" dirty="0" smtClean="0"/>
+              <a:t>Plakátok</a:t>
+            </a:r>
+          </a:p>
+          <a:p>
+            <a:r>
+              <a:rPr lang="hu-HU" dirty="0" smtClean="0"/>
+              <a:t>Matricák</a:t>
+            </a:r>
+          </a:p>
+          <a:p>
+            <a:r>
+              <a:rPr lang="hu-HU" dirty="0" smtClean="0"/>
+              <a:t>Telefonok</a:t>
+            </a:r>
+          </a:p>
+          <a:p>
+            <a:r>
+              <a:rPr lang="hu-HU" dirty="0" smtClean="0"/>
+              <a:t>Fizetési tranzakciók</a:t>
+            </a:r>
+            <a:endParaRPr lang="hu-HU" dirty="0"/>
+          </a:p>
+        </p:txBody>
+      </p:sp>
+    </p:spTree>
+    <p:extLst>
+      <p:ext uri="{BB962C8B-B14F-4D97-AF65-F5344CB8AC3E}">
+        <p14:creationId xmlns:p14="http://schemas.microsoft.com/office/powerpoint/2010/main" val="53814637"/>
+      </p:ext>
+    </p:extLst>
+  </p:cSld>
+  <p:clrMapOvr>
+    <a:masterClrMapping/>
+  </p:clrMapOvr>
+</p:sld>
+</file>
+
 <file path=ppt/slides/slide2.xml><?xml version="1.0" encoding="utf-8"?>
 <p:sld xmlns:a="http://schemas.openxmlformats.org/drawingml/2006/main" xmlns:r="http://schemas.openxmlformats.org/officeDocument/2006/relationships" xmlns:p="http://schemas.openxmlformats.org/presentationml/2006/main">
   <p:cSld>
@@ -3531,6 +4215,378 @@
     <p:extLst>
       <p:ext uri="{BB962C8B-B14F-4D97-AF65-F5344CB8AC3E}">
         <p14:creationId xmlns:p14="http://schemas.microsoft.com/office/powerpoint/2010/main" val="269034922"/>
+      </p:ext>
+    </p:extLst>
+  </p:cSld>
+  <p:clrMapOvr>
+    <a:masterClrMapping/>
+  </p:clrMapOvr>
+</p:sld>
+</file>
+
+<file path=ppt/slides/slide20.xml><?xml version="1.0" encoding="utf-8"?>
+<p:sld xmlns:a="http://schemas.openxmlformats.org/drawingml/2006/main" xmlns:r="http://schemas.openxmlformats.org/officeDocument/2006/relationships" xmlns:p="http://schemas.openxmlformats.org/presentationml/2006/main">
+  <p:cSld>
+    <p:spTree>
+      <p:nvGrpSpPr>
+        <p:cNvPr id="1" name=""/>
+        <p:cNvGrpSpPr/>
+        <p:nvPr/>
+      </p:nvGrpSpPr>
+      <p:grpSpPr>
+        <a:xfrm>
+          <a:off x="0" y="0"/>
+          <a:ext cx="0" cy="0"/>
+          <a:chOff x="0" y="0"/>
+          <a:chExt cx="0" cy="0"/>
+        </a:xfrm>
+      </p:grpSpPr>
+      <p:sp>
+        <p:nvSpPr>
+          <p:cNvPr id="2" name="Cím 1"/>
+          <p:cNvSpPr>
+            <a:spLocks noGrp="1"/>
+          </p:cNvSpPr>
+          <p:nvPr>
+            <p:ph type="title"/>
+          </p:nvPr>
+        </p:nvSpPr>
+        <p:spPr/>
+        <p:txBody>
+          <a:bodyPr/>
+          <a:lstStyle/>
+          <a:p>
+            <a:r>
+              <a:rPr lang="hu-HU" dirty="0"/>
+              <a:t>Vezeték nélküli átviteli közegek</a:t>
+            </a:r>
+          </a:p>
+        </p:txBody>
+      </p:sp>
+      <p:sp>
+        <p:nvSpPr>
+          <p:cNvPr id="3" name="Tartalom helye 2"/>
+          <p:cNvSpPr>
+            <a:spLocks noGrp="1"/>
+          </p:cNvSpPr>
+          <p:nvPr>
+            <p:ph idx="1"/>
+          </p:nvPr>
+        </p:nvSpPr>
+        <p:spPr/>
+        <p:txBody>
+          <a:bodyPr/>
+          <a:lstStyle/>
+          <a:p>
+            <a:r>
+              <a:rPr lang="hu-HU" b="1" dirty="0" smtClean="0"/>
+              <a:t>NFC Biztonsága</a:t>
+            </a:r>
+          </a:p>
+          <a:p>
+            <a:r>
+              <a:rPr lang="hu-HU" dirty="0" smtClean="0"/>
+              <a:t>Nem olyan biztonságos</a:t>
+            </a:r>
+          </a:p>
+          <a:p>
+            <a:r>
+              <a:rPr lang="hu-HU" dirty="0" smtClean="0"/>
+              <a:t>Fizetésfeldolgozók</a:t>
+            </a:r>
+          </a:p>
+          <a:p>
+            <a:r>
+              <a:rPr lang="hu-HU" dirty="0" smtClean="0"/>
+              <a:t>Fizetési adatok</a:t>
+            </a:r>
+            <a:endParaRPr lang="hu-HU" dirty="0"/>
+          </a:p>
+        </p:txBody>
+      </p:sp>
+    </p:spTree>
+    <p:extLst>
+      <p:ext uri="{BB962C8B-B14F-4D97-AF65-F5344CB8AC3E}">
+        <p14:creationId xmlns:p14="http://schemas.microsoft.com/office/powerpoint/2010/main" val="260657308"/>
+      </p:ext>
+    </p:extLst>
+  </p:cSld>
+  <p:clrMapOvr>
+    <a:masterClrMapping/>
+  </p:clrMapOvr>
+</p:sld>
+</file>
+
+<file path=ppt/slides/slide21.xml><?xml version="1.0" encoding="utf-8"?>
+<p:sld xmlns:a="http://schemas.openxmlformats.org/drawingml/2006/main" xmlns:r="http://schemas.openxmlformats.org/officeDocument/2006/relationships" xmlns:p="http://schemas.openxmlformats.org/presentationml/2006/main">
+  <p:cSld>
+    <p:spTree>
+      <p:nvGrpSpPr>
+        <p:cNvPr id="1" name=""/>
+        <p:cNvGrpSpPr/>
+        <p:nvPr/>
+      </p:nvGrpSpPr>
+      <p:grpSpPr>
+        <a:xfrm>
+          <a:off x="0" y="0"/>
+          <a:ext cx="0" cy="0"/>
+          <a:chOff x="0" y="0"/>
+          <a:chExt cx="0" cy="0"/>
+        </a:xfrm>
+      </p:grpSpPr>
+      <p:sp>
+        <p:nvSpPr>
+          <p:cNvPr id="2" name="Cím 1"/>
+          <p:cNvSpPr>
+            <a:spLocks noGrp="1"/>
+          </p:cNvSpPr>
+          <p:nvPr>
+            <p:ph type="title"/>
+          </p:nvPr>
+        </p:nvSpPr>
+        <p:spPr/>
+        <p:txBody>
+          <a:bodyPr/>
+          <a:lstStyle/>
+          <a:p>
+            <a:r>
+              <a:rPr lang="hu-HU" dirty="0"/>
+              <a:t>Vezeték nélküli átviteli közegek</a:t>
+            </a:r>
+          </a:p>
+        </p:txBody>
+      </p:sp>
+      <p:sp>
+        <p:nvSpPr>
+          <p:cNvPr id="3" name="Tartalom helye 2"/>
+          <p:cNvSpPr>
+            <a:spLocks noGrp="1"/>
+          </p:cNvSpPr>
+          <p:nvPr>
+            <p:ph idx="1"/>
+          </p:nvPr>
+        </p:nvSpPr>
+        <p:spPr/>
+        <p:txBody>
+          <a:bodyPr/>
+          <a:lstStyle/>
+          <a:p>
+            <a:r>
+              <a:rPr lang="hu-HU" b="1" dirty="0" smtClean="0"/>
+              <a:t>Példák az NFC használatára</a:t>
+            </a:r>
+          </a:p>
+          <a:p>
+            <a:r>
+              <a:rPr lang="hu-HU" dirty="0" err="1" smtClean="0"/>
+              <a:t>Mikrotranzakciók</a:t>
+            </a:r>
+            <a:endParaRPr lang="hu-HU" dirty="0" smtClean="0"/>
+          </a:p>
+          <a:p>
+            <a:r>
+              <a:rPr lang="hu-HU" dirty="0" err="1" smtClean="0"/>
+              <a:t>Bluetooth</a:t>
+            </a:r>
+            <a:r>
+              <a:rPr lang="hu-HU" dirty="0" smtClean="0"/>
+              <a:t> párosítása</a:t>
+            </a:r>
+          </a:p>
+          <a:p>
+            <a:r>
+              <a:rPr lang="hu-HU" dirty="0" smtClean="0"/>
+              <a:t>Előre beállított SOS üzenet küldése</a:t>
+            </a:r>
+            <a:endParaRPr lang="hu-HU" dirty="0"/>
+          </a:p>
+        </p:txBody>
+      </p:sp>
+    </p:spTree>
+    <p:extLst>
+      <p:ext uri="{BB962C8B-B14F-4D97-AF65-F5344CB8AC3E}">
+        <p14:creationId xmlns:p14="http://schemas.microsoft.com/office/powerpoint/2010/main" val="1544125501"/>
+      </p:ext>
+    </p:extLst>
+  </p:cSld>
+  <p:clrMapOvr>
+    <a:masterClrMapping/>
+  </p:clrMapOvr>
+</p:sld>
+</file>
+
+<file path=ppt/slides/slide22.xml><?xml version="1.0" encoding="utf-8"?>
+<p:sld xmlns:a="http://schemas.openxmlformats.org/drawingml/2006/main" xmlns:r="http://schemas.openxmlformats.org/officeDocument/2006/relationships" xmlns:p="http://schemas.openxmlformats.org/presentationml/2006/main">
+  <p:cSld>
+    <p:spTree>
+      <p:nvGrpSpPr>
+        <p:cNvPr id="1" name=""/>
+        <p:cNvGrpSpPr/>
+        <p:nvPr/>
+      </p:nvGrpSpPr>
+      <p:grpSpPr>
+        <a:xfrm>
+          <a:off x="0" y="0"/>
+          <a:ext cx="0" cy="0"/>
+          <a:chOff x="0" y="0"/>
+          <a:chExt cx="0" cy="0"/>
+        </a:xfrm>
+      </p:grpSpPr>
+      <p:sp>
+        <p:nvSpPr>
+          <p:cNvPr id="2" name="Cím 1"/>
+          <p:cNvSpPr>
+            <a:spLocks noGrp="1"/>
+          </p:cNvSpPr>
+          <p:nvPr>
+            <p:ph type="title"/>
+          </p:nvPr>
+        </p:nvSpPr>
+        <p:spPr/>
+        <p:txBody>
+          <a:bodyPr/>
+          <a:lstStyle/>
+          <a:p>
+            <a:r>
+              <a:rPr lang="hu-HU" dirty="0" smtClean="0"/>
+              <a:t>Vezetékes </a:t>
+            </a:r>
+            <a:r>
+              <a:rPr lang="hu-HU" dirty="0"/>
+              <a:t>átviteli közegek</a:t>
+            </a:r>
+          </a:p>
+        </p:txBody>
+      </p:sp>
+      <p:sp>
+        <p:nvSpPr>
+          <p:cNvPr id="3" name="Tartalom helye 2"/>
+          <p:cNvSpPr>
+            <a:spLocks noGrp="1"/>
+          </p:cNvSpPr>
+          <p:nvPr>
+            <p:ph idx="1"/>
+          </p:nvPr>
+        </p:nvSpPr>
+        <p:spPr/>
+        <p:txBody>
+          <a:bodyPr/>
+          <a:lstStyle/>
+          <a:p>
+            <a:r>
+              <a:rPr lang="hu-HU" b="1" dirty="0" smtClean="0"/>
+              <a:t>Csavart érpár (UTP,STP)</a:t>
+            </a:r>
+          </a:p>
+          <a:p>
+            <a:r>
+              <a:rPr lang="hu-HU" dirty="0" smtClean="0"/>
+              <a:t>Két egymásra spirálisan felcsavart rézvezeték</a:t>
+            </a:r>
+          </a:p>
+          <a:p>
+            <a:r>
+              <a:rPr lang="hu-HU" dirty="0" smtClean="0"/>
+              <a:t>Sodrás</a:t>
+            </a:r>
+          </a:p>
+        </p:txBody>
+      </p:sp>
+    </p:spTree>
+    <p:extLst>
+      <p:ext uri="{BB962C8B-B14F-4D97-AF65-F5344CB8AC3E}">
+        <p14:creationId xmlns:p14="http://schemas.microsoft.com/office/powerpoint/2010/main" val="441198798"/>
+      </p:ext>
+    </p:extLst>
+  </p:cSld>
+  <p:clrMapOvr>
+    <a:masterClrMapping/>
+  </p:clrMapOvr>
+</p:sld>
+</file>
+
+<file path=ppt/slides/slide23.xml><?xml version="1.0" encoding="utf-8"?>
+<p:sld xmlns:a="http://schemas.openxmlformats.org/drawingml/2006/main" xmlns:r="http://schemas.openxmlformats.org/officeDocument/2006/relationships" xmlns:p="http://schemas.openxmlformats.org/presentationml/2006/main">
+  <p:cSld>
+    <p:spTree>
+      <p:nvGrpSpPr>
+        <p:cNvPr id="1" name=""/>
+        <p:cNvGrpSpPr/>
+        <p:nvPr/>
+      </p:nvGrpSpPr>
+      <p:grpSpPr>
+        <a:xfrm>
+          <a:off x="0" y="0"/>
+          <a:ext cx="0" cy="0"/>
+          <a:chOff x="0" y="0"/>
+          <a:chExt cx="0" cy="0"/>
+        </a:xfrm>
+      </p:grpSpPr>
+      <p:sp>
+        <p:nvSpPr>
+          <p:cNvPr id="2" name="Cím 1"/>
+          <p:cNvSpPr>
+            <a:spLocks noGrp="1"/>
+          </p:cNvSpPr>
+          <p:nvPr>
+            <p:ph type="title"/>
+          </p:nvPr>
+        </p:nvSpPr>
+        <p:spPr/>
+        <p:txBody>
+          <a:bodyPr/>
+          <a:lstStyle/>
+          <a:p>
+            <a:r>
+              <a:rPr lang="hu-HU" dirty="0"/>
+              <a:t>Vezetékes átviteli közegek</a:t>
+            </a:r>
+          </a:p>
+        </p:txBody>
+      </p:sp>
+      <p:sp>
+        <p:nvSpPr>
+          <p:cNvPr id="3" name="Tartalom helye 2"/>
+          <p:cNvSpPr>
+            <a:spLocks noGrp="1"/>
+          </p:cNvSpPr>
+          <p:nvPr>
+            <p:ph idx="1"/>
+          </p:nvPr>
+        </p:nvSpPr>
+        <p:spPr/>
+        <p:txBody>
+          <a:bodyPr/>
+          <a:lstStyle/>
+          <a:p>
+            <a:r>
+              <a:rPr lang="hu-HU" b="1" dirty="0" smtClean="0"/>
+              <a:t>UTP Bekötései</a:t>
+            </a:r>
+          </a:p>
+          <a:p>
+            <a:r>
+              <a:rPr lang="hu-HU" dirty="0" smtClean="0"/>
+              <a:t>Egyenes kötésű kábel</a:t>
+            </a:r>
+          </a:p>
+          <a:p>
+            <a:r>
+              <a:rPr lang="hu-HU" dirty="0" smtClean="0"/>
+              <a:t>Kereszt </a:t>
+            </a:r>
+            <a:r>
+              <a:rPr lang="hu-HU" smtClean="0"/>
+              <a:t>kötésű kábel</a:t>
+            </a:r>
+            <a:endParaRPr lang="hu-HU" dirty="0"/>
+          </a:p>
+        </p:txBody>
+      </p:sp>
+    </p:spTree>
+    <p:extLst>
+      <p:ext uri="{BB962C8B-B14F-4D97-AF65-F5344CB8AC3E}">
+        <p14:creationId xmlns:p14="http://schemas.microsoft.com/office/powerpoint/2010/main" val="673758579"/>
       </p:ext>
     </p:extLst>
   </p:cSld>

--- a/Vezeték, vezeték nélküli átviteli közegek.pptx
+++ b/Vezeték, vezeték nélküli átviteli közegek.pptx
@@ -28,6 +28,16 @@
     <p:sldId id="276" r:id="rId22"/>
     <p:sldId id="277" r:id="rId23"/>
     <p:sldId id="278" r:id="rId24"/>
+    <p:sldId id="279" r:id="rId25"/>
+    <p:sldId id="280" r:id="rId26"/>
+    <p:sldId id="281" r:id="rId27"/>
+    <p:sldId id="282" r:id="rId28"/>
+    <p:sldId id="283" r:id="rId29"/>
+    <p:sldId id="284" r:id="rId30"/>
+    <p:sldId id="285" r:id="rId31"/>
+    <p:sldId id="286" r:id="rId32"/>
+    <p:sldId id="287" r:id="rId33"/>
+    <p:sldId id="288" r:id="rId34"/>
   </p:sldIdLst>
   <p:sldSz cx="12192000" cy="6858000"/>
   <p:notesSz cx="6858000" cy="9144000"/>
@@ -4573,13 +4583,8 @@
           <a:p>
             <a:r>
               <a:rPr lang="hu-HU" dirty="0" smtClean="0"/>
-              <a:t>Kereszt </a:t>
-            </a:r>
-            <a:r>
-              <a:rPr lang="hu-HU" smtClean="0"/>
-              <a:t>kötésű kábel</a:t>
-            </a:r>
-            <a:endParaRPr lang="hu-HU" dirty="0"/>
+              <a:t>Kereszt kötésű kábel</a:t>
+            </a:r>
           </a:p>
         </p:txBody>
       </p:sp>
@@ -4587,6 +4592,583 @@
     <p:extLst>
       <p:ext uri="{BB962C8B-B14F-4D97-AF65-F5344CB8AC3E}">
         <p14:creationId xmlns:p14="http://schemas.microsoft.com/office/powerpoint/2010/main" val="673758579"/>
+      </p:ext>
+    </p:extLst>
+  </p:cSld>
+  <p:clrMapOvr>
+    <a:masterClrMapping/>
+  </p:clrMapOvr>
+</p:sld>
+</file>
+
+<file path=ppt/slides/slide24.xml><?xml version="1.0" encoding="utf-8"?>
+<p:sld xmlns:a="http://schemas.openxmlformats.org/drawingml/2006/main" xmlns:r="http://schemas.openxmlformats.org/officeDocument/2006/relationships" xmlns:p="http://schemas.openxmlformats.org/presentationml/2006/main">
+  <p:cSld>
+    <p:spTree>
+      <p:nvGrpSpPr>
+        <p:cNvPr id="1" name=""/>
+        <p:cNvGrpSpPr/>
+        <p:nvPr/>
+      </p:nvGrpSpPr>
+      <p:grpSpPr>
+        <a:xfrm>
+          <a:off x="0" y="0"/>
+          <a:ext cx="0" cy="0"/>
+          <a:chOff x="0" y="0"/>
+          <a:chExt cx="0" cy="0"/>
+        </a:xfrm>
+      </p:grpSpPr>
+      <p:sp>
+        <p:nvSpPr>
+          <p:cNvPr id="2" name="Cím 1"/>
+          <p:cNvSpPr>
+            <a:spLocks noGrp="1"/>
+          </p:cNvSpPr>
+          <p:nvPr>
+            <p:ph type="title"/>
+          </p:nvPr>
+        </p:nvSpPr>
+        <p:spPr/>
+        <p:txBody>
+          <a:bodyPr/>
+          <a:lstStyle/>
+          <a:p>
+            <a:r>
+              <a:rPr lang="hu-HU" dirty="0"/>
+              <a:t>Vezetékes átviteli közegek</a:t>
+            </a:r>
+          </a:p>
+        </p:txBody>
+      </p:sp>
+      <p:sp>
+        <p:nvSpPr>
+          <p:cNvPr id="3" name="Tartalom helye 2"/>
+          <p:cNvSpPr>
+            <a:spLocks noGrp="1"/>
+          </p:cNvSpPr>
+          <p:nvPr>
+            <p:ph idx="1"/>
+          </p:nvPr>
+        </p:nvSpPr>
+        <p:spPr/>
+        <p:txBody>
+          <a:bodyPr/>
+          <a:lstStyle/>
+          <a:p>
+            <a:r>
+              <a:rPr lang="hu-HU" b="1" dirty="0" err="1" smtClean="0"/>
+              <a:t>STP,ScTP</a:t>
+            </a:r>
+            <a:r>
+              <a:rPr lang="hu-HU" b="1" dirty="0" smtClean="0"/>
+              <a:t>:</a:t>
+            </a:r>
+          </a:p>
+          <a:p>
+            <a:r>
+              <a:rPr lang="hu-HU" dirty="0" smtClean="0"/>
+              <a:t>Árnyékolás</a:t>
+            </a:r>
+          </a:p>
+          <a:p>
+            <a:r>
+              <a:rPr lang="hu-HU" dirty="0" smtClean="0"/>
+              <a:t>AL fólia</a:t>
+            </a:r>
+          </a:p>
+          <a:p>
+            <a:r>
+              <a:rPr lang="hu-HU" dirty="0" smtClean="0"/>
+              <a:t>Jobb jelátvitel</a:t>
+            </a:r>
+          </a:p>
+          <a:p>
+            <a:r>
+              <a:rPr lang="hu-HU" dirty="0" smtClean="0"/>
+              <a:t>Interferencia</a:t>
+            </a:r>
+            <a:endParaRPr lang="hu-HU" dirty="0"/>
+          </a:p>
+        </p:txBody>
+      </p:sp>
+    </p:spTree>
+    <p:extLst>
+      <p:ext uri="{BB962C8B-B14F-4D97-AF65-F5344CB8AC3E}">
+        <p14:creationId xmlns:p14="http://schemas.microsoft.com/office/powerpoint/2010/main" val="982064388"/>
+      </p:ext>
+    </p:extLst>
+  </p:cSld>
+  <p:clrMapOvr>
+    <a:masterClrMapping/>
+  </p:clrMapOvr>
+</p:sld>
+</file>
+
+<file path=ppt/slides/slide25.xml><?xml version="1.0" encoding="utf-8"?>
+<p:sld xmlns:a="http://schemas.openxmlformats.org/drawingml/2006/main" xmlns:r="http://schemas.openxmlformats.org/officeDocument/2006/relationships" xmlns:p="http://schemas.openxmlformats.org/presentationml/2006/main">
+  <p:cSld>
+    <p:spTree>
+      <p:nvGrpSpPr>
+        <p:cNvPr id="1" name=""/>
+        <p:cNvGrpSpPr/>
+        <p:nvPr/>
+      </p:nvGrpSpPr>
+      <p:grpSpPr>
+        <a:xfrm>
+          <a:off x="0" y="0"/>
+          <a:ext cx="0" cy="0"/>
+          <a:chOff x="0" y="0"/>
+          <a:chExt cx="0" cy="0"/>
+        </a:xfrm>
+      </p:grpSpPr>
+      <p:sp>
+        <p:nvSpPr>
+          <p:cNvPr id="2" name="Cím 1"/>
+          <p:cNvSpPr>
+            <a:spLocks noGrp="1"/>
+          </p:cNvSpPr>
+          <p:nvPr>
+            <p:ph type="title"/>
+          </p:nvPr>
+        </p:nvSpPr>
+        <p:spPr/>
+        <p:txBody>
+          <a:bodyPr/>
+          <a:lstStyle/>
+          <a:p>
+            <a:r>
+              <a:rPr lang="hu-HU" dirty="0"/>
+              <a:t>Vezetékes átviteli közegek</a:t>
+            </a:r>
+          </a:p>
+        </p:txBody>
+      </p:sp>
+      <p:sp>
+        <p:nvSpPr>
+          <p:cNvPr id="3" name="Tartalom helye 2"/>
+          <p:cNvSpPr>
+            <a:spLocks noGrp="1"/>
+          </p:cNvSpPr>
+          <p:nvPr>
+            <p:ph idx="1"/>
+          </p:nvPr>
+        </p:nvSpPr>
+        <p:spPr/>
+        <p:txBody>
+          <a:bodyPr/>
+          <a:lstStyle/>
+          <a:p>
+            <a:r>
+              <a:rPr lang="hu-HU" b="1" dirty="0" smtClean="0"/>
+              <a:t>Csavart érpár jelátvitelei:</a:t>
+            </a:r>
+          </a:p>
+          <a:p>
+            <a:r>
+              <a:rPr lang="hu-HU" dirty="0" smtClean="0"/>
+              <a:t>Analóg</a:t>
+            </a:r>
+          </a:p>
+          <a:p>
+            <a:r>
+              <a:rPr lang="hu-HU" dirty="0" smtClean="0"/>
+              <a:t>Digitális</a:t>
+            </a:r>
+          </a:p>
+          <a:p>
+            <a:endParaRPr lang="hu-HU" dirty="0"/>
+          </a:p>
+        </p:txBody>
+      </p:sp>
+    </p:spTree>
+    <p:extLst>
+      <p:ext uri="{BB962C8B-B14F-4D97-AF65-F5344CB8AC3E}">
+        <p14:creationId xmlns:p14="http://schemas.microsoft.com/office/powerpoint/2010/main" val="3942605696"/>
+      </p:ext>
+    </p:extLst>
+  </p:cSld>
+  <p:clrMapOvr>
+    <a:masterClrMapping/>
+  </p:clrMapOvr>
+</p:sld>
+</file>
+
+<file path=ppt/slides/slide26.xml><?xml version="1.0" encoding="utf-8"?>
+<p:sld xmlns:a="http://schemas.openxmlformats.org/drawingml/2006/main" xmlns:r="http://schemas.openxmlformats.org/officeDocument/2006/relationships" xmlns:p="http://schemas.openxmlformats.org/presentationml/2006/main">
+  <p:cSld>
+    <p:spTree>
+      <p:nvGrpSpPr>
+        <p:cNvPr id="1" name=""/>
+        <p:cNvGrpSpPr/>
+        <p:nvPr/>
+      </p:nvGrpSpPr>
+      <p:grpSpPr>
+        <a:xfrm>
+          <a:off x="0" y="0"/>
+          <a:ext cx="0" cy="0"/>
+          <a:chOff x="0" y="0"/>
+          <a:chExt cx="0" cy="0"/>
+        </a:xfrm>
+      </p:grpSpPr>
+      <p:sp>
+        <p:nvSpPr>
+          <p:cNvPr id="2" name="Cím 1"/>
+          <p:cNvSpPr>
+            <a:spLocks noGrp="1"/>
+          </p:cNvSpPr>
+          <p:nvPr>
+            <p:ph type="title"/>
+          </p:nvPr>
+        </p:nvSpPr>
+        <p:spPr/>
+        <p:txBody>
+          <a:bodyPr/>
+          <a:lstStyle/>
+          <a:p>
+            <a:r>
+              <a:rPr lang="hu-HU" dirty="0"/>
+              <a:t>Vezetékes átviteli közegek</a:t>
+            </a:r>
+          </a:p>
+        </p:txBody>
+      </p:sp>
+      <p:sp>
+        <p:nvSpPr>
+          <p:cNvPr id="3" name="Tartalom helye 2"/>
+          <p:cNvSpPr>
+            <a:spLocks noGrp="1"/>
+          </p:cNvSpPr>
+          <p:nvPr>
+            <p:ph idx="1"/>
+          </p:nvPr>
+        </p:nvSpPr>
+        <p:spPr/>
+        <p:txBody>
+          <a:bodyPr/>
+          <a:lstStyle/>
+          <a:p>
+            <a:r>
+              <a:rPr lang="hu-HU" b="1" dirty="0" smtClean="0"/>
+              <a:t>Csavart érpár sávszélessége mitől függ:</a:t>
+            </a:r>
+          </a:p>
+          <a:p>
+            <a:r>
+              <a:rPr lang="hu-HU" dirty="0" smtClean="0"/>
+              <a:t>Vezeték vastagsága</a:t>
+            </a:r>
+          </a:p>
+          <a:p>
+            <a:r>
+              <a:rPr lang="hu-HU" dirty="0" smtClean="0"/>
+              <a:t>Áthidalt távolság</a:t>
+            </a:r>
+            <a:endParaRPr lang="hu-HU" dirty="0"/>
+          </a:p>
+        </p:txBody>
+      </p:sp>
+    </p:spTree>
+    <p:extLst>
+      <p:ext uri="{BB962C8B-B14F-4D97-AF65-F5344CB8AC3E}">
+        <p14:creationId xmlns:p14="http://schemas.microsoft.com/office/powerpoint/2010/main" val="3996637335"/>
+      </p:ext>
+    </p:extLst>
+  </p:cSld>
+  <p:clrMapOvr>
+    <a:masterClrMapping/>
+  </p:clrMapOvr>
+</p:sld>
+</file>
+
+<file path=ppt/slides/slide27.xml><?xml version="1.0" encoding="utf-8"?>
+<p:sld xmlns:a="http://schemas.openxmlformats.org/drawingml/2006/main" xmlns:r="http://schemas.openxmlformats.org/officeDocument/2006/relationships" xmlns:p="http://schemas.openxmlformats.org/presentationml/2006/main">
+  <p:cSld>
+    <p:spTree>
+      <p:nvGrpSpPr>
+        <p:cNvPr id="1" name=""/>
+        <p:cNvGrpSpPr/>
+        <p:nvPr/>
+      </p:nvGrpSpPr>
+      <p:grpSpPr>
+        <a:xfrm>
+          <a:off x="0" y="0"/>
+          <a:ext cx="0" cy="0"/>
+          <a:chOff x="0" y="0"/>
+          <a:chExt cx="0" cy="0"/>
+        </a:xfrm>
+      </p:grpSpPr>
+      <p:sp>
+        <p:nvSpPr>
+          <p:cNvPr id="2" name="Cím 1"/>
+          <p:cNvSpPr>
+            <a:spLocks noGrp="1"/>
+          </p:cNvSpPr>
+          <p:nvPr>
+            <p:ph type="title"/>
+          </p:nvPr>
+        </p:nvSpPr>
+        <p:spPr/>
+        <p:txBody>
+          <a:bodyPr/>
+          <a:lstStyle/>
+          <a:p>
+            <a:r>
+              <a:rPr lang="hu-HU" dirty="0"/>
+              <a:t>Vezetékes átviteli közegek</a:t>
+            </a:r>
+          </a:p>
+        </p:txBody>
+      </p:sp>
+      <p:sp>
+        <p:nvSpPr>
+          <p:cNvPr id="3" name="Tartalom helye 2"/>
+          <p:cNvSpPr>
+            <a:spLocks noGrp="1"/>
+          </p:cNvSpPr>
+          <p:nvPr>
+            <p:ph idx="1"/>
+          </p:nvPr>
+        </p:nvSpPr>
+        <p:spPr/>
+        <p:txBody>
+          <a:bodyPr/>
+          <a:lstStyle/>
+          <a:p>
+            <a:r>
+              <a:rPr lang="hu-HU" b="1" dirty="0" smtClean="0"/>
+              <a:t>Leggyakrabban hol használják:</a:t>
+            </a:r>
+          </a:p>
+          <a:p>
+            <a:r>
+              <a:rPr lang="hu-HU" dirty="0" smtClean="0"/>
+              <a:t>Telefonrendszerekben</a:t>
+            </a:r>
+          </a:p>
+          <a:p>
+            <a:r>
+              <a:rPr lang="hu-HU" dirty="0" err="1" smtClean="0"/>
+              <a:t>Telco</a:t>
+            </a:r>
+            <a:endParaRPr lang="hu-HU" dirty="0" smtClean="0"/>
+          </a:p>
+          <a:p>
+            <a:r>
+              <a:rPr lang="hu-HU" dirty="0" smtClean="0"/>
+              <a:t>ADSL-internetforgalom</a:t>
+            </a:r>
+            <a:endParaRPr lang="hu-HU" dirty="0"/>
+          </a:p>
+        </p:txBody>
+      </p:sp>
+    </p:spTree>
+    <p:extLst>
+      <p:ext uri="{BB962C8B-B14F-4D97-AF65-F5344CB8AC3E}">
+        <p14:creationId xmlns:p14="http://schemas.microsoft.com/office/powerpoint/2010/main" val="1633229599"/>
+      </p:ext>
+    </p:extLst>
+  </p:cSld>
+  <p:clrMapOvr>
+    <a:masterClrMapping/>
+  </p:clrMapOvr>
+</p:sld>
+</file>
+
+<file path=ppt/slides/slide28.xml><?xml version="1.0" encoding="utf-8"?>
+<p:sld xmlns:a="http://schemas.openxmlformats.org/drawingml/2006/main" xmlns:r="http://schemas.openxmlformats.org/officeDocument/2006/relationships" xmlns:p="http://schemas.openxmlformats.org/presentationml/2006/main">
+  <p:cSld>
+    <p:spTree>
+      <p:nvGrpSpPr>
+        <p:cNvPr id="1" name=""/>
+        <p:cNvGrpSpPr/>
+        <p:nvPr/>
+      </p:nvGrpSpPr>
+      <p:grpSpPr>
+        <a:xfrm>
+          <a:off x="0" y="0"/>
+          <a:ext cx="0" cy="0"/>
+          <a:chOff x="0" y="0"/>
+          <a:chExt cx="0" cy="0"/>
+        </a:xfrm>
+      </p:grpSpPr>
+      <p:sp>
+        <p:nvSpPr>
+          <p:cNvPr id="2" name="Cím 1"/>
+          <p:cNvSpPr>
+            <a:spLocks noGrp="1"/>
+          </p:cNvSpPr>
+          <p:nvPr>
+            <p:ph type="title"/>
+          </p:nvPr>
+        </p:nvSpPr>
+        <p:spPr/>
+        <p:txBody>
+          <a:bodyPr/>
+          <a:lstStyle/>
+          <a:p>
+            <a:r>
+              <a:rPr lang="hu-HU" dirty="0"/>
+              <a:t>Vezetékes átviteli közegek</a:t>
+            </a:r>
+          </a:p>
+        </p:txBody>
+      </p:sp>
+      <p:sp>
+        <p:nvSpPr>
+          <p:cNvPr id="3" name="Tartalom helye 2"/>
+          <p:cNvSpPr>
+            <a:spLocks noGrp="1"/>
+          </p:cNvSpPr>
+          <p:nvPr>
+            <p:ph idx="1"/>
+          </p:nvPr>
+        </p:nvSpPr>
+        <p:spPr/>
+        <p:txBody>
+          <a:bodyPr/>
+          <a:lstStyle/>
+          <a:p>
+            <a:r>
+              <a:rPr lang="hu-HU" b="1" dirty="0" smtClean="0"/>
+              <a:t>Optikai kábel</a:t>
+            </a:r>
+          </a:p>
+          <a:p>
+            <a:r>
+              <a:rPr lang="hu-HU" dirty="0" smtClean="0"/>
+              <a:t>Adatok hordozó közege a fényhullám</a:t>
+            </a:r>
+          </a:p>
+          <a:p>
+            <a:r>
+              <a:rPr lang="hu-HU" dirty="0" smtClean="0"/>
+              <a:t>Fényvezető</a:t>
+            </a:r>
+          </a:p>
+          <a:p>
+            <a:r>
+              <a:rPr lang="hu-HU" dirty="0" err="1" smtClean="0"/>
+              <a:t>Dielektromos</a:t>
+            </a:r>
+            <a:r>
+              <a:rPr lang="hu-HU" dirty="0" smtClean="0"/>
+              <a:t> szálak</a:t>
+            </a:r>
+          </a:p>
+          <a:p>
+            <a:r>
+              <a:rPr lang="hu-HU" dirty="0" smtClean="0"/>
+              <a:t>Fénycsóvák</a:t>
+            </a:r>
+            <a:endParaRPr lang="hu-HU" dirty="0"/>
+          </a:p>
+        </p:txBody>
+      </p:sp>
+    </p:spTree>
+    <p:extLst>
+      <p:ext uri="{BB962C8B-B14F-4D97-AF65-F5344CB8AC3E}">
+        <p14:creationId xmlns:p14="http://schemas.microsoft.com/office/powerpoint/2010/main" val="4265660796"/>
+      </p:ext>
+    </p:extLst>
+  </p:cSld>
+  <p:clrMapOvr>
+    <a:masterClrMapping/>
+  </p:clrMapOvr>
+</p:sld>
+</file>
+
+<file path=ppt/slides/slide29.xml><?xml version="1.0" encoding="utf-8"?>
+<p:sld xmlns:a="http://schemas.openxmlformats.org/drawingml/2006/main" xmlns:r="http://schemas.openxmlformats.org/officeDocument/2006/relationships" xmlns:p="http://schemas.openxmlformats.org/presentationml/2006/main">
+  <p:cSld>
+    <p:spTree>
+      <p:nvGrpSpPr>
+        <p:cNvPr id="1" name=""/>
+        <p:cNvGrpSpPr/>
+        <p:nvPr/>
+      </p:nvGrpSpPr>
+      <p:grpSpPr>
+        <a:xfrm>
+          <a:off x="0" y="0"/>
+          <a:ext cx="0" cy="0"/>
+          <a:chOff x="0" y="0"/>
+          <a:chExt cx="0" cy="0"/>
+        </a:xfrm>
+      </p:grpSpPr>
+      <p:sp>
+        <p:nvSpPr>
+          <p:cNvPr id="2" name="Cím 1"/>
+          <p:cNvSpPr>
+            <a:spLocks noGrp="1"/>
+          </p:cNvSpPr>
+          <p:nvPr>
+            <p:ph type="title"/>
+          </p:nvPr>
+        </p:nvSpPr>
+        <p:spPr/>
+        <p:txBody>
+          <a:bodyPr/>
+          <a:lstStyle/>
+          <a:p>
+            <a:r>
+              <a:rPr lang="hu-HU" dirty="0"/>
+              <a:t>Vezetékes átviteli közegek</a:t>
+            </a:r>
+          </a:p>
+        </p:txBody>
+      </p:sp>
+      <p:sp>
+        <p:nvSpPr>
+          <p:cNvPr id="3" name="Tartalom helye 2"/>
+          <p:cNvSpPr>
+            <a:spLocks noGrp="1"/>
+          </p:cNvSpPr>
+          <p:nvPr>
+            <p:ph idx="1"/>
+          </p:nvPr>
+        </p:nvSpPr>
+        <p:spPr/>
+        <p:txBody>
+          <a:bodyPr/>
+          <a:lstStyle/>
+          <a:p>
+            <a:r>
+              <a:rPr lang="hu-HU" b="1" dirty="0" smtClean="0"/>
+              <a:t>Optikai kábel:</a:t>
+            </a:r>
+          </a:p>
+          <a:p>
+            <a:r>
+              <a:rPr lang="hu-HU" dirty="0" smtClean="0"/>
+              <a:t>Jel teljes védelme garantálható</a:t>
+            </a:r>
+          </a:p>
+          <a:p>
+            <a:r>
+              <a:rPr lang="hu-HU" dirty="0" smtClean="0"/>
+              <a:t>Védve van a környezeti hatásoktól</a:t>
+            </a:r>
+          </a:p>
+          <a:p>
+            <a:r>
+              <a:rPr lang="hu-HU" dirty="0" smtClean="0"/>
+              <a:t>Nagyon alacsony szintű jel-csillapítás</a:t>
+            </a:r>
+          </a:p>
+          <a:p>
+            <a:r>
+              <a:rPr lang="hu-HU" dirty="0" smtClean="0"/>
+              <a:t>Elektromágneses kölcsönhatások sem generálódnak</a:t>
+            </a:r>
+          </a:p>
+          <a:p>
+            <a:endParaRPr lang="hu-HU" dirty="0"/>
+          </a:p>
+        </p:txBody>
+      </p:sp>
+    </p:spTree>
+    <p:extLst>
+      <p:ext uri="{BB962C8B-B14F-4D97-AF65-F5344CB8AC3E}">
+        <p14:creationId xmlns:p14="http://schemas.microsoft.com/office/powerpoint/2010/main" val="957074438"/>
       </p:ext>
     </p:extLst>
   </p:cSld>
@@ -4687,6 +5269,367 @@
     <p:extLst>
       <p:ext uri="{BB962C8B-B14F-4D97-AF65-F5344CB8AC3E}">
         <p14:creationId xmlns:p14="http://schemas.microsoft.com/office/powerpoint/2010/main" val="1603890420"/>
+      </p:ext>
+    </p:extLst>
+  </p:cSld>
+  <p:clrMapOvr>
+    <a:masterClrMapping/>
+  </p:clrMapOvr>
+</p:sld>
+</file>
+
+<file path=ppt/slides/slide30.xml><?xml version="1.0" encoding="utf-8"?>
+<p:sld xmlns:a="http://schemas.openxmlformats.org/drawingml/2006/main" xmlns:r="http://schemas.openxmlformats.org/officeDocument/2006/relationships" xmlns:p="http://schemas.openxmlformats.org/presentationml/2006/main">
+  <p:cSld>
+    <p:spTree>
+      <p:nvGrpSpPr>
+        <p:cNvPr id="1" name=""/>
+        <p:cNvGrpSpPr/>
+        <p:nvPr/>
+      </p:nvGrpSpPr>
+      <p:grpSpPr>
+        <a:xfrm>
+          <a:off x="0" y="0"/>
+          <a:ext cx="0" cy="0"/>
+          <a:chOff x="0" y="0"/>
+          <a:chExt cx="0" cy="0"/>
+        </a:xfrm>
+      </p:grpSpPr>
+      <p:sp>
+        <p:nvSpPr>
+          <p:cNvPr id="2" name="Cím 1"/>
+          <p:cNvSpPr>
+            <a:spLocks noGrp="1"/>
+          </p:cNvSpPr>
+          <p:nvPr>
+            <p:ph type="title"/>
+          </p:nvPr>
+        </p:nvSpPr>
+        <p:spPr/>
+        <p:txBody>
+          <a:bodyPr/>
+          <a:lstStyle/>
+          <a:p>
+            <a:r>
+              <a:rPr lang="hu-HU" dirty="0"/>
+              <a:t>Vezetékes átviteli közegek</a:t>
+            </a:r>
+          </a:p>
+        </p:txBody>
+      </p:sp>
+      <p:sp>
+        <p:nvSpPr>
+          <p:cNvPr id="3" name="Tartalom helye 2"/>
+          <p:cNvSpPr>
+            <a:spLocks noGrp="1"/>
+          </p:cNvSpPr>
+          <p:nvPr>
+            <p:ph idx="1"/>
+          </p:nvPr>
+        </p:nvSpPr>
+        <p:spPr/>
+        <p:txBody>
+          <a:bodyPr/>
+          <a:lstStyle/>
+          <a:p>
+            <a:r>
+              <a:rPr lang="hu-HU" b="1" dirty="0" smtClean="0"/>
+              <a:t>Optikai kábelek csoportosítása:</a:t>
+            </a:r>
+          </a:p>
+          <a:p>
+            <a:r>
+              <a:rPr lang="hu-HU" dirty="0" smtClean="0"/>
+              <a:t>Üveg</a:t>
+            </a:r>
+          </a:p>
+          <a:p>
+            <a:r>
+              <a:rPr lang="hu-HU" dirty="0" smtClean="0"/>
+              <a:t>Műanyag</a:t>
+            </a:r>
+          </a:p>
+          <a:p>
+            <a:r>
+              <a:rPr lang="hu-HU" dirty="0" smtClean="0"/>
+              <a:t>Félvezető</a:t>
+            </a:r>
+            <a:endParaRPr lang="hu-HU" dirty="0"/>
+          </a:p>
+        </p:txBody>
+      </p:sp>
+    </p:spTree>
+    <p:extLst>
+      <p:ext uri="{BB962C8B-B14F-4D97-AF65-F5344CB8AC3E}">
+        <p14:creationId xmlns:p14="http://schemas.microsoft.com/office/powerpoint/2010/main" val="4085458280"/>
+      </p:ext>
+    </p:extLst>
+  </p:cSld>
+  <p:clrMapOvr>
+    <a:masterClrMapping/>
+  </p:clrMapOvr>
+</p:sld>
+</file>
+
+<file path=ppt/slides/slide31.xml><?xml version="1.0" encoding="utf-8"?>
+<p:sld xmlns:a="http://schemas.openxmlformats.org/drawingml/2006/main" xmlns:r="http://schemas.openxmlformats.org/officeDocument/2006/relationships" xmlns:p="http://schemas.openxmlformats.org/presentationml/2006/main">
+  <p:cSld>
+    <p:spTree>
+      <p:nvGrpSpPr>
+        <p:cNvPr id="1" name=""/>
+        <p:cNvGrpSpPr/>
+        <p:nvPr/>
+      </p:nvGrpSpPr>
+      <p:grpSpPr>
+        <a:xfrm>
+          <a:off x="0" y="0"/>
+          <a:ext cx="0" cy="0"/>
+          <a:chOff x="0" y="0"/>
+          <a:chExt cx="0" cy="0"/>
+        </a:xfrm>
+      </p:grpSpPr>
+      <p:sp>
+        <p:nvSpPr>
+          <p:cNvPr id="2" name="Cím 1"/>
+          <p:cNvSpPr>
+            <a:spLocks noGrp="1"/>
+          </p:cNvSpPr>
+          <p:nvPr>
+            <p:ph type="title"/>
+          </p:nvPr>
+        </p:nvSpPr>
+        <p:spPr/>
+        <p:txBody>
+          <a:bodyPr/>
+          <a:lstStyle/>
+          <a:p>
+            <a:r>
+              <a:rPr lang="hu-HU" dirty="0"/>
+              <a:t>Vezetékes átviteli közegek</a:t>
+            </a:r>
+          </a:p>
+        </p:txBody>
+      </p:sp>
+      <p:sp>
+        <p:nvSpPr>
+          <p:cNvPr id="3" name="Tartalom helye 2"/>
+          <p:cNvSpPr>
+            <a:spLocks noGrp="1"/>
+          </p:cNvSpPr>
+          <p:nvPr>
+            <p:ph idx="1"/>
+          </p:nvPr>
+        </p:nvSpPr>
+        <p:spPr/>
+        <p:txBody>
+          <a:bodyPr/>
+          <a:lstStyle/>
+          <a:p>
+            <a:r>
+              <a:rPr lang="hu-HU" b="1" dirty="0"/>
+              <a:t>Optikai kábelek </a:t>
+            </a:r>
+            <a:r>
+              <a:rPr lang="hu-HU" b="1" dirty="0" smtClean="0"/>
+              <a:t>fényvezető anyaga:</a:t>
+            </a:r>
+            <a:endParaRPr lang="hu-HU" b="1" dirty="0"/>
+          </a:p>
+          <a:p>
+            <a:r>
+              <a:rPr lang="hu-HU" dirty="0" smtClean="0"/>
+              <a:t>Nagy távolságra, nagy sebességgel való adattovábbítás</a:t>
+            </a:r>
+          </a:p>
+          <a:p>
+            <a:r>
+              <a:rPr lang="hu-HU" dirty="0" smtClean="0"/>
+              <a:t>Lokális információ átadás</a:t>
+            </a:r>
+            <a:endParaRPr lang="hu-HU" dirty="0"/>
+          </a:p>
+        </p:txBody>
+      </p:sp>
+    </p:spTree>
+    <p:extLst>
+      <p:ext uri="{BB962C8B-B14F-4D97-AF65-F5344CB8AC3E}">
+        <p14:creationId xmlns:p14="http://schemas.microsoft.com/office/powerpoint/2010/main" val="3151617485"/>
+      </p:ext>
+    </p:extLst>
+  </p:cSld>
+  <p:clrMapOvr>
+    <a:masterClrMapping/>
+  </p:clrMapOvr>
+</p:sld>
+</file>
+
+<file path=ppt/slides/slide32.xml><?xml version="1.0" encoding="utf-8"?>
+<p:sld xmlns:a="http://schemas.openxmlformats.org/drawingml/2006/main" xmlns:r="http://schemas.openxmlformats.org/officeDocument/2006/relationships" xmlns:p="http://schemas.openxmlformats.org/presentationml/2006/main">
+  <p:cSld>
+    <p:spTree>
+      <p:nvGrpSpPr>
+        <p:cNvPr id="1" name=""/>
+        <p:cNvGrpSpPr/>
+        <p:nvPr/>
+      </p:nvGrpSpPr>
+      <p:grpSpPr>
+        <a:xfrm>
+          <a:off x="0" y="0"/>
+          <a:ext cx="0" cy="0"/>
+          <a:chOff x="0" y="0"/>
+          <a:chExt cx="0" cy="0"/>
+        </a:xfrm>
+      </p:grpSpPr>
+      <p:sp>
+        <p:nvSpPr>
+          <p:cNvPr id="2" name="Cím 1"/>
+          <p:cNvSpPr>
+            <a:spLocks noGrp="1"/>
+          </p:cNvSpPr>
+          <p:nvPr>
+            <p:ph type="title"/>
+          </p:nvPr>
+        </p:nvSpPr>
+        <p:spPr/>
+        <p:txBody>
+          <a:bodyPr>
+            <a:normAutofit/>
+          </a:bodyPr>
+          <a:lstStyle/>
+          <a:p>
+            <a:r>
+              <a:rPr lang="hu-HU" dirty="0"/>
+              <a:t>Vezetékes átviteli közegek</a:t>
+            </a:r>
+          </a:p>
+        </p:txBody>
+      </p:sp>
+      <p:sp>
+        <p:nvSpPr>
+          <p:cNvPr id="3" name="Tartalom helye 2"/>
+          <p:cNvSpPr>
+            <a:spLocks noGrp="1"/>
+          </p:cNvSpPr>
+          <p:nvPr>
+            <p:ph idx="1"/>
+          </p:nvPr>
+        </p:nvSpPr>
+        <p:spPr/>
+        <p:txBody>
+          <a:bodyPr/>
+          <a:lstStyle/>
+          <a:p>
+            <a:r>
+              <a:rPr lang="hu-HU" b="1" dirty="0" smtClean="0"/>
+              <a:t>Optikai kábelek megjelenései:</a:t>
+            </a:r>
+          </a:p>
+          <a:p>
+            <a:r>
+              <a:rPr lang="hu-HU" dirty="0" err="1" smtClean="0"/>
+              <a:t>Audio</a:t>
+            </a:r>
+            <a:r>
+              <a:rPr lang="hu-HU" dirty="0" smtClean="0"/>
+              <a:t> rendszerek</a:t>
+            </a:r>
+          </a:p>
+          <a:p>
+            <a:r>
+              <a:rPr lang="hu-HU" dirty="0" smtClean="0"/>
+              <a:t>Telekommunikációs eszközök</a:t>
+            </a:r>
+          </a:p>
+          <a:p>
+            <a:r>
+              <a:rPr lang="hu-HU" dirty="0" smtClean="0"/>
+              <a:t>Orvosi műszerek</a:t>
+            </a:r>
+          </a:p>
+          <a:p>
+            <a:r>
+              <a:rPr lang="hu-HU" dirty="0" smtClean="0"/>
+              <a:t>Ipari automatikai egységek gyártása</a:t>
+            </a:r>
+            <a:endParaRPr lang="hu-HU" dirty="0"/>
+          </a:p>
+        </p:txBody>
+      </p:sp>
+    </p:spTree>
+    <p:extLst>
+      <p:ext uri="{BB962C8B-B14F-4D97-AF65-F5344CB8AC3E}">
+        <p14:creationId xmlns:p14="http://schemas.microsoft.com/office/powerpoint/2010/main" val="2862866538"/>
+      </p:ext>
+    </p:extLst>
+  </p:cSld>
+  <p:clrMapOvr>
+    <a:masterClrMapping/>
+  </p:clrMapOvr>
+</p:sld>
+</file>
+
+<file path=ppt/slides/slide33.xml><?xml version="1.0" encoding="utf-8"?>
+<p:sld xmlns:a="http://schemas.openxmlformats.org/drawingml/2006/main" xmlns:r="http://schemas.openxmlformats.org/officeDocument/2006/relationships" xmlns:p="http://schemas.openxmlformats.org/presentationml/2006/main">
+  <p:cSld>
+    <p:spTree>
+      <p:nvGrpSpPr>
+        <p:cNvPr id="1" name=""/>
+        <p:cNvGrpSpPr/>
+        <p:nvPr/>
+      </p:nvGrpSpPr>
+      <p:grpSpPr>
+        <a:xfrm>
+          <a:off x="0" y="0"/>
+          <a:ext cx="0" cy="0"/>
+          <a:chOff x="0" y="0"/>
+          <a:chExt cx="0" cy="0"/>
+        </a:xfrm>
+      </p:grpSpPr>
+      <p:sp>
+        <p:nvSpPr>
+          <p:cNvPr id="2" name="Cím 1"/>
+          <p:cNvSpPr>
+            <a:spLocks noGrp="1"/>
+          </p:cNvSpPr>
+          <p:nvPr>
+            <p:ph type="title"/>
+          </p:nvPr>
+        </p:nvSpPr>
+        <p:spPr/>
+        <p:txBody>
+          <a:bodyPr/>
+          <a:lstStyle/>
+          <a:p>
+            <a:r>
+              <a:rPr lang="hu-HU"/>
+              <a:t>Vezetékes átviteli közegek</a:t>
+            </a:r>
+          </a:p>
+        </p:txBody>
+      </p:sp>
+      <p:sp>
+        <p:nvSpPr>
+          <p:cNvPr id="3" name="Tartalom helye 2"/>
+          <p:cNvSpPr>
+            <a:spLocks noGrp="1"/>
+          </p:cNvSpPr>
+          <p:nvPr>
+            <p:ph idx="1"/>
+          </p:nvPr>
+        </p:nvSpPr>
+        <p:spPr/>
+        <p:txBody>
+          <a:bodyPr/>
+          <a:lstStyle/>
+          <a:p>
+            <a:endParaRPr lang="hu-HU"/>
+          </a:p>
+        </p:txBody>
+      </p:sp>
+    </p:spTree>
+    <p:extLst>
+      <p:ext uri="{BB962C8B-B14F-4D97-AF65-F5344CB8AC3E}">
+        <p14:creationId xmlns:p14="http://schemas.microsoft.com/office/powerpoint/2010/main" val="3852473939"/>
       </p:ext>
     </p:extLst>
   </p:cSld>
